--- a/My Little Observer 각자 ppt/동근/마이리틀옵저버-녹음기준.pptx
+++ b/My Little Observer 각자 ppt/동근/마이리틀옵저버-녹음기준.pptx
@@ -14,6 +14,7 @@
     <p:sldId id="259" r:id="rId9"/>
     <p:sldId id="260" r:id="rId10"/>
     <p:sldId id="261" r:id="rId11"/>
+    <p:sldId id="262" r:id="rId12"/>
   </p:sldIdLst>
   <p:sldSz cy="5143500" cx="9144000"/>
   <p:notesSz cx="6858000" cy="9144000"/>
@@ -1205,7 +1206,7 @@
       </p:grpSpPr>
       <p:sp>
         <p:nvSpPr>
-          <p:cNvPr id="83" name="Google Shape;83;g792678649e_0_69:notes"/>
+          <p:cNvPr id="83" name="Google Shape;83;g792607caef_0_0:notes"/>
           <p:cNvSpPr/>
           <p:nvPr>
             <p:ph idx="2" type="sldImg"/>
@@ -1240,7 +1241,106 @@
       </p:sp>
       <p:sp>
         <p:nvSpPr>
-          <p:cNvPr id="84" name="Google Shape;84;g792678649e_0_69:notes"/>
+          <p:cNvPr id="84" name="Google Shape;84;g792607caef_0_0:notes"/>
+          <p:cNvSpPr txBox="1"/>
+          <p:nvPr>
+            <p:ph idx="1" type="body"/>
+          </p:nvPr>
+        </p:nvSpPr>
+        <p:spPr>
+          <a:xfrm>
+            <a:off x="685800" y="4343400"/>
+            <a:ext cx="5486400" cy="4114800"/>
+          </a:xfrm>
+          <a:prstGeom prst="rect">
+            <a:avLst/>
+          </a:prstGeom>
+        </p:spPr>
+        <p:txBody>
+          <a:bodyPr anchorCtr="0" anchor="t" bIns="91425" lIns="91425" spcFirstLastPara="1" rIns="91425" wrap="square" tIns="91425">
+            <a:noAutofit/>
+          </a:bodyPr>
+          <a:lstStyle/>
+          <a:p>
+            <a:pPr indent="0" lvl="0" marL="0" rtl="0" algn="l">
+              <a:spcBef>
+                <a:spcPts val="0"/>
+              </a:spcBef>
+              <a:spcAft>
+                <a:spcPts val="0"/>
+              </a:spcAft>
+              <a:buNone/>
+            </a:pPr>
+            <a:r>
+              <a:t/>
+            </a:r>
+            <a:endParaRPr/>
+          </a:p>
+        </p:txBody>
+      </p:sp>
+    </p:spTree>
+  </p:cSld>
+  <p:clrMapOvr>
+    <a:masterClrMapping/>
+  </p:clrMapOvr>
+</p:notes>
+</file>
+
+<file path=ppt/notesSlides/notesSlide7.xml><?xml version="1.0" encoding="utf-8"?>
+<p:notes xmlns:a="http://schemas.openxmlformats.org/drawingml/2006/main" xmlns:r="http://schemas.openxmlformats.org/officeDocument/2006/relationships" xmlns:mc="http://schemas.openxmlformats.org/markup-compatibility/2006" xmlns:mv="urn:schemas-microsoft-com:mac:vml" xmlns:p="http://schemas.openxmlformats.org/presentationml/2006/main" xmlns:c="http://schemas.openxmlformats.org/drawingml/2006/chart" xmlns:dgm="http://schemas.openxmlformats.org/drawingml/2006/diagram" xmlns:o="urn:schemas-microsoft-com:office:office" xmlns:v="urn:schemas-microsoft-com:vml" xmlns:pvml="urn:schemas-microsoft-com:office:powerpoint" xmlns:com="http://schemas.openxmlformats.org/drawingml/2006/compatibility" xmlns:p14="http://schemas.microsoft.com/office/powerpoint/2010/main" xmlns:p15="http://schemas.microsoft.com/office/powerpoint/2012/main" showMasterPhAnim="0" showMasterSp="0">
+  <p:cSld>
+    <p:spTree>
+      <p:nvGrpSpPr>
+        <p:cNvPr id="88" name="Shape 88"/>
+        <p:cNvGrpSpPr/>
+        <p:nvPr/>
+      </p:nvGrpSpPr>
+      <p:grpSpPr>
+        <a:xfrm>
+          <a:off x="0" y="0"/>
+          <a:ext cx="0" cy="0"/>
+          <a:chOff x="0" y="0"/>
+          <a:chExt cx="0" cy="0"/>
+        </a:xfrm>
+      </p:grpSpPr>
+      <p:sp>
+        <p:nvSpPr>
+          <p:cNvPr id="89" name="Google Shape;89;g792678649e_0_69:notes"/>
+          <p:cNvSpPr/>
+          <p:nvPr>
+            <p:ph idx="2" type="sldImg"/>
+          </p:nvPr>
+        </p:nvSpPr>
+        <p:spPr>
+          <a:xfrm>
+            <a:off x="381300" y="685800"/>
+            <a:ext cx="6096000" cy="3429000"/>
+          </a:xfrm>
+          <a:custGeom>
+            <a:rect b="b" l="l" r="r" t="t"/>
+            <a:pathLst>
+              <a:path extrusionOk="0" h="120000" w="120000">
+                <a:moveTo>
+                  <a:pt x="0" y="0"/>
+                </a:moveTo>
+                <a:lnTo>
+                  <a:pt x="120000" y="0"/>
+                </a:lnTo>
+                <a:lnTo>
+                  <a:pt x="120000" y="120000"/>
+                </a:lnTo>
+                <a:lnTo>
+                  <a:pt x="0" y="120000"/>
+                </a:lnTo>
+                <a:close/>
+              </a:path>
+            </a:pathLst>
+          </a:custGeom>
+        </p:spPr>
+      </p:sp>
+      <p:sp>
+        <p:nvSpPr>
+          <p:cNvPr id="90" name="Google Shape;90;g792678649e_0_69:notes"/>
           <p:cNvSpPr txBox="1"/>
           <p:nvPr>
             <p:ph idx="1" type="body"/>
@@ -6836,6 +6936,136 @@
             </a:pPr>
             <a:r>
               <a:rPr lang="ko"/>
+              <a:t>추가 분석</a:t>
+            </a:r>
+            <a:endParaRPr/>
+          </a:p>
+        </p:txBody>
+      </p:sp>
+      <p:sp>
+        <p:nvSpPr>
+          <p:cNvPr id="87" name="Google Shape;87;p18"/>
+          <p:cNvSpPr txBox="1"/>
+          <p:nvPr>
+            <p:ph idx="1" type="body"/>
+          </p:nvPr>
+        </p:nvSpPr>
+        <p:spPr>
+          <a:xfrm>
+            <a:off x="1889700" y="1766725"/>
+            <a:ext cx="5364600" cy="2192700"/>
+          </a:xfrm>
+          <a:prstGeom prst="rect">
+            <a:avLst/>
+          </a:prstGeom>
+          <a:ln cap="flat" cmpd="sng" w="9525">
+            <a:solidFill>
+              <a:srgbClr val="FFFFFF"/>
+            </a:solidFill>
+            <a:prstDash val="solid"/>
+            <a:round/>
+            <a:headEnd len="sm" w="sm" type="none"/>
+            <a:tailEnd len="sm" w="sm" type="none"/>
+          </a:ln>
+        </p:spPr>
+        <p:txBody>
+          <a:bodyPr anchorCtr="0" anchor="ctr" bIns="91425" lIns="91425" spcFirstLastPara="1" rIns="91425" wrap="square" tIns="91425">
+            <a:noAutofit/>
+          </a:bodyPr>
+          <a:lstStyle/>
+          <a:p>
+            <a:pPr indent="0" lvl="0" marL="0" rtl="0" algn="l">
+              <a:spcBef>
+                <a:spcPts val="0"/>
+              </a:spcBef>
+              <a:spcAft>
+                <a:spcPts val="0"/>
+              </a:spcAft>
+              <a:buNone/>
+            </a:pPr>
+            <a:r>
+              <a:rPr lang="ko"/>
+              <a:t>전송받은 음원파일을 분석해서 키워드를 뽑아내는 기능을 추가할 수 있다.</a:t>
+            </a:r>
+            <a:endParaRPr/>
+          </a:p>
+          <a:p>
+            <a:pPr indent="0" lvl="0" marL="0" rtl="0" algn="l">
+              <a:spcBef>
+                <a:spcPts val="1600"/>
+              </a:spcBef>
+              <a:spcAft>
+                <a:spcPts val="1600"/>
+              </a:spcAft>
+              <a:buNone/>
+            </a:pPr>
+            <a:r>
+              <a:rPr lang="ko"/>
+              <a:t>추출한 키워드로 파일의 중요도를 업데이트한다.</a:t>
+            </a:r>
+            <a:endParaRPr/>
+          </a:p>
+        </p:txBody>
+      </p:sp>
+    </p:spTree>
+  </p:cSld>
+  <p:clrMapOvr>
+    <a:masterClrMapping/>
+  </p:clrMapOvr>
+</p:sld>
+</file>
+
+<file path=ppt/slides/slide7.xml><?xml version="1.0" encoding="utf-8"?>
+<p:sld xmlns:a="http://schemas.openxmlformats.org/drawingml/2006/main" xmlns:r="http://schemas.openxmlformats.org/officeDocument/2006/relationships" xmlns:mc="http://schemas.openxmlformats.org/markup-compatibility/2006" xmlns:mv="urn:schemas-microsoft-com:mac:vml" xmlns:p="http://schemas.openxmlformats.org/presentationml/2006/main" xmlns:c="http://schemas.openxmlformats.org/drawingml/2006/chart" xmlns:dgm="http://schemas.openxmlformats.org/drawingml/2006/diagram" xmlns:o="urn:schemas-microsoft-com:office:office" xmlns:v="urn:schemas-microsoft-com:vml" xmlns:pvml="urn:schemas-microsoft-com:office:powerpoint" xmlns:com="http://schemas.openxmlformats.org/drawingml/2006/compatibility" xmlns:p14="http://schemas.microsoft.com/office/powerpoint/2010/main" xmlns:p15="http://schemas.microsoft.com/office/powerpoint/2012/main">
+  <p:cSld>
+    <p:spTree>
+      <p:nvGrpSpPr>
+        <p:cNvPr id="91" name="Shape 91"/>
+        <p:cNvGrpSpPr/>
+        <p:nvPr/>
+      </p:nvGrpSpPr>
+      <p:grpSpPr>
+        <a:xfrm>
+          <a:off x="0" y="0"/>
+          <a:ext cx="0" cy="0"/>
+          <a:chOff x="0" y="0"/>
+          <a:chExt cx="0" cy="0"/>
+        </a:xfrm>
+      </p:grpSpPr>
+      <p:sp>
+        <p:nvSpPr>
+          <p:cNvPr id="92" name="Google Shape;92;p19"/>
+          <p:cNvSpPr txBox="1"/>
+          <p:nvPr>
+            <p:ph type="title"/>
+          </p:nvPr>
+        </p:nvSpPr>
+        <p:spPr>
+          <a:xfrm>
+            <a:off x="311700" y="445025"/>
+            <a:ext cx="8520600" cy="572700"/>
+          </a:xfrm>
+          <a:prstGeom prst="rect">
+            <a:avLst/>
+          </a:prstGeom>
+        </p:spPr>
+        <p:txBody>
+          <a:bodyPr anchorCtr="0" anchor="t" bIns="91425" lIns="91425" spcFirstLastPara="1" rIns="91425" wrap="square" tIns="91425">
+            <a:noAutofit/>
+          </a:bodyPr>
+          <a:lstStyle/>
+          <a:p>
+            <a:pPr indent="0" lvl="0" marL="0" rtl="0" algn="l">
+              <a:spcBef>
+                <a:spcPts val="0"/>
+              </a:spcBef>
+              <a:spcAft>
+                <a:spcPts val="0"/>
+              </a:spcAft>
+              <a:buNone/>
+            </a:pPr>
+            <a:r>
+              <a:rPr lang="ko"/>
               <a:t>하드웨어</a:t>
             </a:r>
             <a:endParaRPr/>
@@ -6844,7 +7074,7 @@
       </p:sp>
       <p:sp>
         <p:nvSpPr>
-          <p:cNvPr id="87" name="Google Shape;87;p18"/>
+          <p:cNvPr id="93" name="Google Shape;93;p19"/>
           <p:cNvSpPr txBox="1"/>
           <p:nvPr>
             <p:ph idx="1" type="body"/>
@@ -6893,7 +7123,7 @@
       </p:sp>
       <p:sp>
         <p:nvSpPr>
-          <p:cNvPr id="88" name="Google Shape;88;p18"/>
+          <p:cNvPr id="94" name="Google Shape;94;p19"/>
           <p:cNvSpPr txBox="1"/>
           <p:nvPr>
             <p:ph idx="1" type="body"/>
